--- a/200 참고 자료/300 안양창조산업센터 홍보 자료.pptx
+++ b/200 참고 자료/300 안양창조산업센터 홍보 자료.pptx
@@ -5,7 +5,7 @@
     <p:sldMasterId id="2147483660" r:id="rId1"/>
   </p:sldMasterIdLst>
   <p:notesMasterIdLst>
-    <p:notesMasterId r:id="rId9"/>
+    <p:notesMasterId r:id="rId10"/>
   </p:notesMasterIdLst>
   <p:sldIdLst>
     <p:sldId id="256" r:id="rId2"/>
@@ -14,7 +14,8 @@
     <p:sldId id="265" r:id="rId5"/>
     <p:sldId id="266" r:id="rId6"/>
     <p:sldId id="261" r:id="rId7"/>
-    <p:sldId id="259" r:id="rId8"/>
+    <p:sldId id="267" r:id="rId8"/>
+    <p:sldId id="259" r:id="rId9"/>
   </p:sldIdLst>
   <p:sldSz cx="9906000" cy="6858000" type="A4"/>
   <p:notesSz cx="6858000" cy="9144000"/>
@@ -7969,7 +7970,7 @@
           <a:p>
             <a:fld id="{60456C2F-1F67-44A5-80B0-9C3A6CA33C82}" type="datetimeFigureOut">
               <a:rPr lang="en-US" smtClean="0"/>
-              <a:t>7/17/2019</a:t>
+              <a:t>7/18/2019</a:t>
             </a:fld>
             <a:endParaRPr lang="en-US"/>
           </a:p>
@@ -8368,7 +8369,7 @@
           <a:p>
             <a:fld id="{77E878A0-001B-44B0-8C5D-6AD2DBBB64D3}" type="datetime1">
               <a:rPr lang="ko-KR" altLang="en-US" smtClean="0"/>
-              <a:t>2019-07-17</a:t>
+              <a:t>2019-07-18</a:t>
             </a:fld>
             <a:endParaRPr lang="en-US"/>
           </a:p>
@@ -8475,7 +8476,7 @@
           <a:p>
             <a:fld id="{9E8A9E1E-AE0E-4A48-95EA-91938BD5E9F0}" type="datetime1">
               <a:rPr lang="ko-KR" altLang="en-US" smtClean="0"/>
-              <a:t>2019-07-17</a:t>
+              <a:t>2019-07-18</a:t>
             </a:fld>
             <a:endParaRPr lang="en-US"/>
           </a:p>
@@ -8657,7 +8658,7 @@
           <a:p>
             <a:fld id="{87E00A65-1955-4186-AF42-E92A051B257D}" type="datetime1">
               <a:rPr lang="ko-KR" altLang="en-US" smtClean="0"/>
-              <a:t>2019-07-17</a:t>
+              <a:t>2019-07-18</a:t>
             </a:fld>
             <a:endParaRPr lang="en-US"/>
           </a:p>
@@ -8916,7 +8917,7 @@
           <a:p>
             <a:fld id="{5897D560-716E-496D-ACC5-C639977EA19A}" type="datetime1">
               <a:rPr lang="ko-KR" altLang="en-US" smtClean="0"/>
-              <a:t>2019-07-17</a:t>
+              <a:t>2019-07-18</a:t>
             </a:fld>
             <a:endParaRPr lang="en-US"/>
           </a:p>
@@ -9240,7 +9241,7 @@
           <a:p>
             <a:fld id="{8FBC2B8A-FB4A-44C0-A248-5CDF1FBB4724}" type="datetime1">
               <a:rPr lang="ko-KR" altLang="en-US" smtClean="0"/>
-              <a:t>2019-07-17</a:t>
+              <a:t>2019-07-18</a:t>
             </a:fld>
             <a:endParaRPr lang="en-US"/>
           </a:p>
@@ -9584,7 +9585,7 @@
           <a:p>
             <a:fld id="{6C9EB3B3-8ABF-4438-B18A-131F4AD52673}" type="datetime1">
               <a:rPr lang="ko-KR" altLang="en-US" smtClean="0"/>
-              <a:t>2019-07-17</a:t>
+              <a:t>2019-07-18</a:t>
             </a:fld>
             <a:endParaRPr lang="en-US"/>
           </a:p>
@@ -9871,7 +9872,7 @@
           <a:p>
             <a:fld id="{4BB1D6E9-035F-4354-BA35-9846ABCCA34B}" type="datetime1">
               <a:rPr lang="ko-KR" altLang="en-US" smtClean="0"/>
-              <a:t>2019-07-17</a:t>
+              <a:t>2019-07-18</a:t>
             </a:fld>
             <a:endParaRPr lang="en-US"/>
           </a:p>
@@ -10195,7 +10196,7 @@
           <a:p>
             <a:fld id="{33E3F7E2-9C10-418D-83AF-E278B1F16C2D}" type="datetime1">
               <a:rPr lang="ko-KR" altLang="en-US" smtClean="0"/>
-              <a:t>2019-07-17</a:t>
+              <a:t>2019-07-18</a:t>
             </a:fld>
             <a:endParaRPr lang="en-US"/>
           </a:p>
@@ -10617,7 +10618,7 @@
           <a:p>
             <a:fld id="{F57C67A1-B7EE-4FA2-AF8F-DCEA62099769}" type="datetime1">
               <a:rPr lang="ko-KR" altLang="en-US" smtClean="0"/>
-              <a:t>2019-07-17</a:t>
+              <a:t>2019-07-18</a:t>
             </a:fld>
             <a:endParaRPr lang="en-US"/>
           </a:p>
@@ -10747,7 +10748,7 @@
           <a:p>
             <a:fld id="{EDE656DD-1A09-452E-9C8C-349EE45DA79A}" type="datetime1">
               <a:rPr lang="ko-KR" altLang="en-US" smtClean="0"/>
-              <a:t>2019-07-17</a:t>
+              <a:t>2019-07-18</a:t>
             </a:fld>
             <a:endParaRPr lang="en-US"/>
           </a:p>
@@ -11022,7 +11023,7 @@
           <a:p>
             <a:fld id="{A7C53B0D-9156-4C2B-AF4D-B68168F6ED36}" type="datetime1">
               <a:rPr lang="ko-KR" altLang="en-US" smtClean="0"/>
-              <a:t>2019-07-17</a:t>
+              <a:t>2019-07-18</a:t>
             </a:fld>
             <a:endParaRPr lang="en-US"/>
           </a:p>
@@ -11467,7 +11468,7 @@
           <a:lstStyle/>
           <a:p>
             <a:r>
-              <a:rPr lang="ko-KR" altLang="en-US" sz="4800" smtClean="0"/>
+              <a:rPr lang="ko-KR" altLang="en-US" sz="4800"/>
               <a:t>드론 자율비행 교육 과정</a:t>
             </a:r>
             <a:endParaRPr lang="en-US" sz="4800" dirty="0"/>
@@ -11492,7 +11493,7 @@
         </p:spPr>
         <p:txBody>
           <a:bodyPr anchor="ctr">
-            <a:normAutofit fontScale="92500" lnSpcReduction="20000"/>
+            <a:normAutofit fontScale="92500" lnSpcReduction="10000"/>
           </a:bodyPr>
           <a:lstStyle/>
           <a:p>
@@ -11510,23 +11511,19 @@
               <a:t>년 </a:t>
             </a:r>
             <a:r>
-              <a:rPr lang="en-US" altLang="ko-KR" smtClean="0"/>
-              <a:t>0</a:t>
-            </a:r>
-            <a:r>
-              <a:rPr lang="en-US" altLang="ko-KR" smtClean="0"/>
-              <a:t>7</a:t>
-            </a:r>
-            <a:r>
-              <a:rPr lang="ko-KR" altLang="en-US" smtClean="0"/>
+              <a:rPr lang="en-US" altLang="ko-KR"/>
+              <a:t>07</a:t>
+            </a:r>
+            <a:r>
+              <a:rPr lang="ko-KR" altLang="en-US"/>
               <a:t>월 </a:t>
             </a:r>
             <a:r>
-              <a:rPr lang="en-US" altLang="ko-KR" smtClean="0"/>
+              <a:rPr lang="en-US" altLang="ko-KR"/>
               <a:t>24</a:t>
             </a:r>
             <a:r>
-              <a:rPr lang="ko-KR" altLang="en-US" smtClean="0"/>
+              <a:rPr lang="ko-KR" altLang="en-US"/>
               <a:t>일</a:t>
             </a:r>
             <a:endParaRPr lang="en-US" altLang="ko-KR" dirty="0"/>
@@ -11538,10 +11535,10 @@
               </a:lnSpc>
             </a:pPr>
             <a:r>
-              <a:rPr lang="ko-KR" altLang="en-US" smtClean="0"/>
+              <a:rPr lang="ko-KR" altLang="en-US"/>
               <a:t>이왕헌</a:t>
             </a:r>
-            <a:endParaRPr lang="en-US" altLang="ko-KR" smtClean="0"/>
+            <a:endParaRPr lang="en-US" altLang="ko-KR"/>
           </a:p>
           <a:p>
             <a:pPr>
@@ -11550,7 +11547,7 @@
               </a:lnSpc>
             </a:pPr>
             <a:r>
-              <a:rPr lang="ko-KR" altLang="en-US" smtClean="0"/>
+              <a:rPr lang="ko-KR" altLang="en-US"/>
               <a:t>한세대학교  </a:t>
             </a:r>
             <a:r>
@@ -11575,14 +11572,10 @@
             </a:r>
             <a:r>
               <a:rPr lang="ko-KR" altLang="en-US"/>
-              <a:t>*</a:t>
-            </a:r>
-            <a:r>
-              <a:rPr lang="ko-KR" altLang="en-US" smtClean="0"/>
-              <a:t>지능로봇공학과</a:t>
-            </a:r>
-            <a:r>
-              <a:rPr lang="en-US" altLang="ko-KR" smtClean="0"/>
+              <a:t>*지능로봇공학과</a:t>
+            </a:r>
+            <a:r>
+              <a:rPr lang="en-US" altLang="ko-KR"/>
               <a:t> </a:t>
             </a:r>
             <a:endParaRPr lang="en-US" dirty="0"/>
@@ -11653,12 +11646,8 @@
           <a:lstStyle/>
           <a:p>
             <a:r>
-              <a:rPr lang="ko-KR" altLang="en-US" smtClean="0"/>
-              <a:t>지능형 드론 교육 과정</a:t>
-            </a:r>
-            <a:r>
-              <a:rPr lang="ko-KR" altLang="en-US" smtClean="0"/>
-              <a:t> </a:t>
+              <a:rPr lang="ko-KR" altLang="en-US"/>
+              <a:t>지능형 드론 교육 과정 </a:t>
             </a:r>
             <a:r>
               <a:rPr lang="ko-KR" altLang="en-US" dirty="0"/>
@@ -11687,12 +11676,12 @@
         <p:spPr>
           <a:xfrm>
             <a:off x="681038" y="1255269"/>
-            <a:ext cx="8543925" cy="3968663"/>
+            <a:ext cx="8543925" cy="4442798"/>
           </a:xfrm>
         </p:spPr>
         <p:txBody>
           <a:bodyPr>
-            <a:normAutofit fontScale="70000" lnSpcReduction="20000"/>
+            <a:normAutofit fontScale="85000" lnSpcReduction="20000"/>
           </a:bodyPr>
           <a:lstStyle/>
           <a:p>
@@ -11707,13 +11696,9 @@
             </a:r>
             <a:r>
               <a:rPr lang="ko-KR" altLang="en-US"/>
-              <a:t>이론의 </a:t>
-            </a:r>
-            <a:r>
-              <a:rPr lang="ko-KR" altLang="en-US" smtClean="0"/>
-              <a:t>이해</a:t>
-            </a:r>
-            <a:endParaRPr lang="en-US" altLang="ko-KR" smtClean="0"/>
+              <a:t>이론의 이해</a:t>
+            </a:r>
+            <a:endParaRPr lang="en-US" altLang="ko-KR"/>
           </a:p>
           <a:p>
             <a:pPr lvl="1">
@@ -11722,10 +11707,10 @@
               </a:lnSpc>
             </a:pPr>
             <a:r>
-              <a:rPr lang="ko-KR" altLang="en-US" smtClean="0"/>
+              <a:rPr lang="ko-KR" altLang="en-US"/>
               <a:t>드론 수학</a:t>
             </a:r>
-            <a:endParaRPr lang="en-US" altLang="ko-KR" smtClean="0"/>
+            <a:endParaRPr lang="en-US" altLang="ko-KR"/>
           </a:p>
           <a:p>
             <a:pPr lvl="1">
@@ -11734,10 +11719,10 @@
               </a:lnSpc>
             </a:pPr>
             <a:r>
-              <a:rPr lang="ko-KR" altLang="en-US" smtClean="0"/>
+              <a:rPr lang="ko-KR" altLang="en-US"/>
               <a:t>드론 물리학</a:t>
             </a:r>
-            <a:endParaRPr lang="en-US" altLang="ko-KR" smtClean="0"/>
+            <a:endParaRPr lang="en-US" altLang="ko-KR"/>
           </a:p>
           <a:p>
             <a:pPr lvl="1">
@@ -11746,7 +11731,7 @@
               </a:lnSpc>
             </a:pPr>
             <a:r>
-              <a:rPr lang="ko-KR" altLang="en-US" smtClean="0"/>
+              <a:rPr lang="ko-KR" altLang="en-US"/>
               <a:t>드론 항공 역학</a:t>
             </a:r>
             <a:endParaRPr lang="en-US" altLang="ko-KR" dirty="0"/>
@@ -11782,8 +11767,8 @@
               </a:lnSpc>
             </a:pPr>
             <a:r>
-              <a:rPr lang="en-US" smtClean="0"/>
-              <a:t>GroundControl </a:t>
+              <a:rPr lang="en-US"/>
+              <a:t>Ground Control Station </a:t>
             </a:r>
             <a:r>
               <a:rPr lang="ko-KR" altLang="en-US" dirty="0"/>
@@ -11798,18 +11783,10 @@
               </a:lnSpc>
             </a:pPr>
             <a:r>
-              <a:rPr lang="ko-KR" altLang="en-US" dirty="0"/>
-              <a:t>파이슨 프로그래밍 </a:t>
-            </a:r>
-            <a:r>
               <a:rPr lang="ko-KR" altLang="en-US"/>
-              <a:t>경로 </a:t>
-            </a:r>
-            <a:r>
-              <a:rPr lang="ko-KR" altLang="en-US" smtClean="0"/>
-              <a:t>비행</a:t>
-            </a:r>
-            <a:endParaRPr lang="en-US" altLang="ko-KR" smtClean="0"/>
+              <a:t>파이슨 프로그래밍</a:t>
+            </a:r>
+            <a:endParaRPr lang="en-US" altLang="ko-KR"/>
           </a:p>
           <a:p>
             <a:pPr lvl="2">
@@ -11818,10 +11795,10 @@
               </a:lnSpc>
             </a:pPr>
             <a:r>
-              <a:rPr lang="ko-KR" altLang="en-US" smtClean="0"/>
-              <a:t>물체 회피</a:t>
-            </a:r>
-            <a:endParaRPr lang="en-US" altLang="ko-KR" smtClean="0"/>
+              <a:rPr lang="ko-KR" altLang="en-US"/>
+              <a:t>물체 인식</a:t>
+            </a:r>
+            <a:endParaRPr lang="en-US" altLang="ko-KR"/>
           </a:p>
           <a:p>
             <a:pPr lvl="2">
@@ -11830,10 +11807,10 @@
               </a:lnSpc>
             </a:pPr>
             <a:r>
-              <a:rPr lang="ko-KR" altLang="en-US" smtClean="0"/>
-              <a:t>물체 인식</a:t>
-            </a:r>
-            <a:endParaRPr lang="en-US" dirty="0"/>
+              <a:rPr lang="ko-KR" altLang="en-US"/>
+              <a:t>물체 회피</a:t>
+            </a:r>
+            <a:endParaRPr lang="en-US" altLang="ko-KR"/>
           </a:p>
         </p:txBody>
       </p:sp>
@@ -11860,7 +11837,7 @@
           <a:p>
             <a:fld id="{BE0357B1-0FDD-482C-A9DC-A4587093D4A9}" type="datetime1">
               <a:rPr lang="ko-KR" altLang="en-US" smtClean="0"/>
-              <a:t>2019-07-17</a:t>
+              <a:t>2019-07-18</a:t>
             </a:fld>
             <a:endParaRPr lang="en-US"/>
           </a:p>
@@ -11961,8 +11938,8 @@
         </p:blipFill>
         <p:spPr>
           <a:xfrm>
-            <a:off x="5012267" y="3466592"/>
-            <a:ext cx="4458502" cy="2507908"/>
+            <a:off x="5218620" y="1371600"/>
+            <a:ext cx="4167482" cy="2344209"/>
           </a:xfrm>
           <a:prstGeom prst="rect">
             <a:avLst/>
@@ -12155,7 +12132,7 @@
           <a:lstStyle/>
           <a:p>
             <a:r>
-              <a:rPr lang="ko-KR" altLang="en-US" smtClean="0"/>
+              <a:rPr lang="ko-KR" altLang="en-US"/>
               <a:t>지능형 드론 교육 과정</a:t>
             </a:r>
             <a:endParaRPr lang="en-US"/>
@@ -12172,7 +12149,7 @@
             <p:ph idx="1"/>
             <p:extLst>
               <p:ext uri="{D42A27DB-BD31-4B8C-83A1-F6EECF244321}">
-                <p14:modId xmlns:p14="http://schemas.microsoft.com/office/powerpoint/2010/main" val="790047981"/>
+                <p14:modId xmlns:p14="http://schemas.microsoft.com/office/powerpoint/2010/main" val="4244051720"/>
               </p:ext>
             </p:extLst>
           </p:nvPr>
@@ -12249,7 +12226,7 @@
                         </a:spcAft>
                       </a:pPr>
                       <a:r>
-                        <a:rPr lang="ko-KR" altLang="en-US" sz="1400" smtClean="0">
+                        <a:rPr lang="ko-KR" altLang="en-US" sz="1400">
                           <a:effectLst/>
                         </a:rPr>
                         <a:t>학기</a:t>
@@ -12345,7 +12322,7 @@
                         </a:spcAft>
                       </a:pPr>
                       <a:r>
-                        <a:rPr lang="ko-KR" altLang="en-US" sz="1400" smtClean="0">
+                        <a:rPr lang="ko-KR" altLang="en-US" sz="1400">
                           <a:effectLst/>
                         </a:rPr>
                         <a:t>학기</a:t>
@@ -12448,7 +12425,7 @@
                         </a:spcAft>
                       </a:pPr>
                       <a:r>
-                        <a:rPr lang="en-US" sz="1400" smtClean="0">
+                        <a:rPr lang="en-US" sz="1400">
                           <a:effectLst/>
                         </a:rPr>
                         <a:t>1-1</a:t>
@@ -12480,16 +12457,10 @@
                         </a:spcAft>
                       </a:pPr>
                       <a:r>
-                        <a:rPr lang="ko-KR" sz="1400" smtClean="0">
-                          <a:effectLst/>
-                        </a:rPr>
-                        <a:t>드론 </a:t>
-                      </a:r>
-                      <a:r>
                         <a:rPr lang="ko-KR" sz="1400">
                           <a:effectLst/>
                         </a:rPr>
-                        <a:t>개요</a:t>
+                        <a:t>드론 개요</a:t>
                       </a:r>
                       <a:endParaRPr lang="en-US" sz="1400">
                         <a:effectLst/>
@@ -12594,7 +12565,7 @@
                         </a:spcAft>
                       </a:pPr>
                       <a:r>
-                        <a:rPr lang="en-US" sz="1400" smtClean="0">
+                        <a:rPr lang="en-US" sz="1400">
                           <a:effectLst/>
                         </a:rPr>
                         <a:t>1-2</a:t>
@@ -12940,22 +12911,16 @@
                         <a:rPr lang="ko-KR" sz="1400">
                           <a:effectLst/>
                         </a:rPr>
-                        <a:t>드론 </a:t>
+                        <a:t>드론 센서</a:t>
                       </a:r>
                       <a:r>
-                        <a:rPr lang="ko-KR" sz="1400" smtClean="0">
-                          <a:effectLst/>
-                        </a:rPr>
-                        <a:t>센서</a:t>
-                      </a:r>
-                      <a:r>
-                        <a:rPr lang="en-US" altLang="ko-KR" sz="1400" smtClean="0">
+                        <a:rPr lang="en-US" altLang="ko-KR" sz="1400">
                           <a:effectLst/>
                         </a:rPr>
                         <a:t> </a:t>
                       </a:r>
                       <a:r>
-                        <a:rPr lang="ko-KR" sz="1400" smtClean="0">
+                        <a:rPr lang="ko-KR" sz="1400">
                           <a:effectLst/>
                         </a:rPr>
                         <a:t>이해</a:t>
@@ -13070,7 +13035,7 @@
                         </a:spcAft>
                       </a:pPr>
                       <a:r>
-                        <a:rPr lang="en-US" sz="1400" smtClean="0">
+                        <a:rPr lang="en-US" sz="1400">
                           <a:effectLst/>
                         </a:rPr>
                         <a:t>2-1</a:t>
@@ -13102,19 +13067,19 @@
                         </a:spcAft>
                       </a:pPr>
                       <a:r>
-                        <a:rPr lang="ko-KR" sz="1400" smtClean="0">
+                        <a:rPr lang="ko-KR" sz="1400">
                           <a:effectLst/>
                         </a:rPr>
                         <a:t>계획 </a:t>
                       </a:r>
                       <a:r>
-                        <a:rPr lang="ko-KR" altLang="en-US" sz="1400" smtClean="0">
+                        <a:rPr lang="ko-KR" altLang="en-US" sz="1400">
                           <a:effectLst/>
                         </a:rPr>
                         <a:t>경로 </a:t>
                       </a:r>
                       <a:r>
-                        <a:rPr lang="ko-KR" sz="1400" smtClean="0">
+                        <a:rPr lang="ko-KR" sz="1400">
                           <a:effectLst/>
                         </a:rPr>
                         <a:t>비행</a:t>
@@ -13190,34 +13155,22 @@
                         </a:spcAft>
                       </a:pPr>
                       <a:r>
-                        <a:rPr lang="en-US" sz="1400" smtClean="0">
+                        <a:rPr lang="en-US" sz="1400">
                           <a:effectLst/>
                         </a:rPr>
-                        <a:t>QgroundControl</a:t>
+                        <a:t>GroundControl</a:t>
                       </a:r>
                       <a:r>
-                        <a:rPr lang="en-US" altLang="ko-KR" sz="1400" smtClean="0">
+                        <a:rPr lang="en-US" altLang="ko-KR" sz="1400">
                           <a:effectLst/>
                         </a:rPr>
                         <a:t> </a:t>
                       </a:r>
                       <a:r>
-                        <a:rPr lang="ko-KR" sz="1400" smtClean="0">
-                          <a:effectLst/>
-                        </a:rPr>
-                        <a:t>경로 </a:t>
-                      </a:r>
-                      <a:r>
                         <a:rPr lang="ko-KR" sz="1400">
                           <a:effectLst/>
                         </a:rPr>
-                        <a:t>비행 실습</a:t>
-                      </a:r>
-                      <a:r>
-                        <a:rPr lang="en-US" sz="1400">
-                          <a:effectLst/>
-                        </a:rPr>
-                        <a:t> I</a:t>
+                        <a:t>경로 비행 실습</a:t>
                       </a:r>
                       <a:endParaRPr lang="en-US" sz="1400">
                         <a:effectLst/>
@@ -13246,7 +13199,7 @@
                         </a:spcAft>
                       </a:pPr>
                       <a:r>
-                        <a:rPr lang="en-US" sz="1400" smtClean="0">
+                        <a:rPr lang="en-US" sz="1400">
                           <a:effectLst/>
                         </a:rPr>
                         <a:t>2-2</a:t>
@@ -13278,16 +13231,10 @@
                         </a:spcAft>
                       </a:pPr>
                       <a:r>
-                        <a:rPr lang="ko-KR" sz="1400" smtClean="0">
-                          <a:effectLst/>
-                        </a:rPr>
-                        <a:t>드론 </a:t>
-                      </a:r>
-                      <a:r>
                         <a:rPr lang="ko-KR" sz="1400">
                           <a:effectLst/>
                         </a:rPr>
-                        <a:t>자율 비행 </a:t>
+                        <a:t>드론 자율 비행 </a:t>
                       </a:r>
                       <a:endParaRPr lang="en-US" sz="1400">
                         <a:effectLst/>
@@ -13347,13 +13294,7 @@
                         <a:rPr lang="ko-KR" sz="1400">
                           <a:effectLst/>
                         </a:rPr>
-                        <a:t>기반 자율 비행 실습 </a:t>
-                      </a:r>
-                      <a:r>
-                        <a:rPr lang="en-US" sz="1400" smtClean="0">
-                          <a:effectLst/>
-                        </a:rPr>
-                        <a:t>I</a:t>
+                        <a:t>기반 자율 비행 실습</a:t>
                       </a:r>
                       <a:endParaRPr lang="en-US" sz="1400">
                         <a:effectLst/>
@@ -13415,34 +13356,28 @@
                         </a:spcAft>
                       </a:pPr>
                       <a:r>
-                        <a:rPr lang="ko-KR" sz="1400" smtClean="0">
+                        <a:rPr lang="ko-KR" sz="1400">
                           <a:effectLst/>
                         </a:rPr>
                         <a:t>계획</a:t>
                       </a:r>
                       <a:r>
-                        <a:rPr lang="en-US" altLang="ko-KR" sz="1400" smtClean="0">
+                        <a:rPr lang="en-US" altLang="ko-KR" sz="1400">
                           <a:effectLst/>
                         </a:rPr>
                         <a:t> </a:t>
                       </a:r>
                       <a:r>
-                        <a:rPr lang="ko-KR" altLang="en-US" sz="1400" smtClean="0">
+                        <a:rPr lang="ko-KR" altLang="en-US" sz="1400">
                           <a:effectLst/>
                         </a:rPr>
                         <a:t>경로</a:t>
                       </a:r>
                       <a:r>
-                        <a:rPr lang="ko-KR" sz="1400" smtClean="0">
-                          <a:effectLst/>
-                        </a:rPr>
-                        <a:t> </a:t>
-                      </a:r>
-                      <a:r>
                         <a:rPr lang="ko-KR" sz="1400">
                           <a:effectLst/>
                         </a:rPr>
-                        <a:t>비행</a:t>
+                        <a:t> 비행</a:t>
                       </a:r>
                       <a:r>
                         <a:rPr lang="en-US" sz="1400">
@@ -13499,34 +13434,22 @@
                         </a:spcAft>
                       </a:pPr>
                       <a:r>
-                        <a:rPr lang="en-US" sz="1400" smtClean="0">
+                        <a:rPr lang="en-US" sz="1400">
                           <a:effectLst/>
                         </a:rPr>
-                        <a:t>QgroundControl</a:t>
+                        <a:t>GroundControl</a:t>
                       </a:r>
                       <a:r>
-                        <a:rPr lang="en-US" altLang="ko-KR" sz="1400" smtClean="0">
+                        <a:rPr lang="en-US" altLang="ko-KR" sz="1400">
                           <a:effectLst/>
                         </a:rPr>
                         <a:t> </a:t>
                       </a:r>
                       <a:r>
-                        <a:rPr lang="ko-KR" sz="1400" smtClean="0">
-                          <a:effectLst/>
-                        </a:rPr>
-                        <a:t>경로 </a:t>
-                      </a:r>
-                      <a:r>
                         <a:rPr lang="ko-KR" sz="1400">
                           <a:effectLst/>
                         </a:rPr>
-                        <a:t>비행 실습</a:t>
-                      </a:r>
-                      <a:r>
-                        <a:rPr lang="en-US" sz="1400">
-                          <a:effectLst/>
-                        </a:rPr>
-                        <a:t> II</a:t>
+                        <a:t>경로 비행 실습</a:t>
                       </a:r>
                       <a:endParaRPr lang="en-US" sz="1400">
                         <a:effectLst/>
@@ -13581,22 +13504,10 @@
                         </a:spcAft>
                       </a:pPr>
                       <a:r>
-                        <a:rPr lang="ko-KR" sz="1400" smtClean="0">
-                          <a:effectLst/>
-                        </a:rPr>
-                        <a:t>드론 </a:t>
-                      </a:r>
-                      <a:r>
                         <a:rPr lang="ko-KR" sz="1400">
                           <a:effectLst/>
                         </a:rPr>
-                        <a:t>자율 </a:t>
-                      </a:r>
-                      <a:r>
-                        <a:rPr lang="ko-KR" sz="1400" smtClean="0">
-                          <a:effectLst/>
-                        </a:rPr>
-                        <a:t>비행</a:t>
+                        <a:t>드론 자율 비행</a:t>
                       </a:r>
                       <a:endParaRPr lang="en-US" sz="1400">
                         <a:effectLst/>
@@ -13656,13 +13567,7 @@
                         <a:rPr lang="ko-KR" sz="1400">
                           <a:effectLst/>
                         </a:rPr>
-                        <a:t>기반 자율 비행 실습 </a:t>
-                      </a:r>
-                      <a:r>
-                        <a:rPr lang="en-US" sz="1400" smtClean="0">
-                          <a:effectLst/>
-                        </a:rPr>
-                        <a:t>II</a:t>
+                        <a:t>기반 자율 비행 실습</a:t>
                       </a:r>
                       <a:endParaRPr lang="en-US" sz="1400">
                         <a:effectLst/>
@@ -13701,7 +13606,7 @@
           <a:p>
             <a:fld id="{86B52D89-234C-4EA5-93FD-523499A38989}" type="datetime1">
               <a:rPr lang="ko-KR" altLang="en-US" smtClean="0"/>
-              <a:t>2019-07-17</a:t>
+              <a:t>2019-07-18</a:t>
             </a:fld>
             <a:endParaRPr lang="en-US"/>
           </a:p>
@@ -13818,18 +13723,14 @@
             </a:r>
             <a:r>
               <a:rPr lang="ko-KR" altLang="en-US"/>
-              <a:t>비행 </a:t>
-            </a:r>
-            <a:r>
-              <a:rPr lang="ko-KR" altLang="en-US" smtClean="0"/>
-              <a:t>기술의 발전</a:t>
-            </a:r>
-            <a:r>
-              <a:rPr lang="en-US" altLang="ko-KR" smtClean="0"/>
+              <a:t>비행 기술의 발전</a:t>
+            </a:r>
+            <a:r>
+              <a:rPr lang="en-US" altLang="ko-KR"/>
               <a:t> </a:t>
             </a:r>
             <a:r>
-              <a:rPr lang="ko-KR" altLang="en-US" smtClean="0"/>
+              <a:rPr lang="ko-KR" altLang="en-US"/>
               <a:t>추이</a:t>
             </a:r>
             <a:endParaRPr lang="en-US" dirty="0"/>
@@ -13859,7 +13760,7 @@
           <a:p>
             <a:fld id="{BE0357B1-0FDD-482C-A9DC-A4587093D4A9}" type="datetime1">
               <a:rPr lang="ko-KR" altLang="en-US" smtClean="0"/>
-              <a:t>2019-07-17</a:t>
+              <a:t>2019-07-18</a:t>
             </a:fld>
             <a:endParaRPr lang="en-US"/>
           </a:p>
@@ -14298,7 +14199,7 @@
           <a:p>
             <a:fld id="{BE0357B1-0FDD-482C-A9DC-A4587093D4A9}" type="datetime1">
               <a:rPr lang="ko-KR" altLang="en-US" smtClean="0"/>
-              <a:t>2019-07-17</a:t>
+              <a:t>2019-07-18</a:t>
             </a:fld>
             <a:endParaRPr lang="en-US"/>
           </a:p>
@@ -14724,26 +14625,11 @@
           <a:bodyPr/>
           <a:lstStyle/>
           <a:p>
-            <a:endParaRPr lang="en-US"/>
-          </a:p>
-        </p:txBody>
-      </p:sp>
-      <p:sp>
-        <p:nvSpPr>
-          <p:cNvPr id="3" name="내용 개체 틀 2"/>
-          <p:cNvSpPr>
-            <a:spLocks noGrp="1"/>
-          </p:cNvSpPr>
-          <p:nvPr>
-            <p:ph idx="1"/>
-          </p:nvPr>
-        </p:nvSpPr>
-        <p:spPr/>
-        <p:txBody>
-          <a:bodyPr/>
-          <a:lstStyle/>
-          <a:p>
-            <a:endParaRPr lang="en-US"/>
+            <a:r>
+              <a:rPr lang="ko-KR" altLang="en-US"/>
+              <a:t>실험 동영상</a:t>
+            </a:r>
+            <a:endParaRPr lang="en-US" dirty="0"/>
           </a:p>
         </p:txBody>
       </p:sp>
@@ -14764,7 +14650,7 @@
           <a:p>
             <a:fld id="{86B52D89-234C-4EA5-93FD-523499A38989}" type="datetime1">
               <a:rPr lang="ko-KR" altLang="en-US" smtClean="0"/>
-              <a:t>2019-07-17</a:t>
+              <a:t>2019-07-18</a:t>
             </a:fld>
             <a:endParaRPr lang="en-US"/>
           </a:p>
@@ -14820,6 +14706,38 @@
               <a:rPr lang="en-US" smtClean="0"/>
               <a:t>6</a:t>
             </a:fld>
+            <a:endParaRPr lang="en-US"/>
+          </a:p>
+        </p:txBody>
+      </p:sp>
+      <p:sp>
+        <p:nvSpPr>
+          <p:cNvPr id="8" name="내용 개체 틀 7"/>
+          <p:cNvSpPr>
+            <a:spLocks noGrp="1"/>
+          </p:cNvSpPr>
+          <p:nvPr>
+            <p:ph idx="1"/>
+          </p:nvPr>
+        </p:nvSpPr>
+        <p:spPr>
+          <a:xfrm>
+            <a:off x="681038" y="1255271"/>
+            <a:ext cx="8543925" cy="732555"/>
+          </a:xfrm>
+        </p:spPr>
+        <p:txBody>
+          <a:bodyPr/>
+          <a:lstStyle/>
+          <a:p>
+            <a:r>
+              <a:rPr lang="en-US" altLang="ko-KR"/>
+              <a:t>Navio2 + F330 </a:t>
+            </a:r>
+            <a:r>
+              <a:rPr lang="ko-KR" altLang="en-US"/>
+              <a:t>드론 경로 비행</a:t>
+            </a:r>
             <a:endParaRPr lang="en-US"/>
           </a:p>
         </p:txBody>
@@ -14864,6 +14782,151 @@
             <p:ph type="title"/>
           </p:nvPr>
         </p:nvSpPr>
+        <p:spPr/>
+        <p:txBody>
+          <a:bodyPr/>
+          <a:lstStyle/>
+          <a:p>
+            <a:endParaRPr lang="en-US"/>
+          </a:p>
+        </p:txBody>
+      </p:sp>
+      <p:sp>
+        <p:nvSpPr>
+          <p:cNvPr id="3" name="내용 개체 틀 2"/>
+          <p:cNvSpPr>
+            <a:spLocks noGrp="1"/>
+          </p:cNvSpPr>
+          <p:nvPr>
+            <p:ph idx="1"/>
+          </p:nvPr>
+        </p:nvSpPr>
+        <p:spPr/>
+        <p:txBody>
+          <a:bodyPr/>
+          <a:lstStyle/>
+          <a:p>
+            <a:endParaRPr lang="en-US"/>
+          </a:p>
+        </p:txBody>
+      </p:sp>
+      <p:sp>
+        <p:nvSpPr>
+          <p:cNvPr id="4" name="날짜 개체 틀 3"/>
+          <p:cNvSpPr>
+            <a:spLocks noGrp="1"/>
+          </p:cNvSpPr>
+          <p:nvPr>
+            <p:ph type="dt" sz="half" idx="10"/>
+          </p:nvPr>
+        </p:nvSpPr>
+        <p:spPr/>
+        <p:txBody>
+          <a:bodyPr/>
+          <a:lstStyle/>
+          <a:p>
+            <a:fld id="{87E00A65-1955-4186-AF42-E92A051B257D}" type="datetime1">
+              <a:rPr lang="ko-KR" altLang="en-US" smtClean="0"/>
+              <a:t>2019-07-18</a:t>
+            </a:fld>
+            <a:endParaRPr lang="en-US"/>
+          </a:p>
+        </p:txBody>
+      </p:sp>
+      <p:sp>
+        <p:nvSpPr>
+          <p:cNvPr id="5" name="바닥글 개체 틀 4"/>
+          <p:cNvSpPr>
+            <a:spLocks noGrp="1"/>
+          </p:cNvSpPr>
+          <p:nvPr>
+            <p:ph type="ftr" sz="quarter" idx="11"/>
+          </p:nvPr>
+        </p:nvSpPr>
+        <p:spPr/>
+        <p:txBody>
+          <a:bodyPr/>
+          <a:lstStyle/>
+          <a:p>
+            <a:r>
+              <a:rPr lang="en-US" altLang="ko-KR"/>
+              <a:t>{</a:t>
+            </a:r>
+            <a:r>
+              <a:rPr lang="ko-KR" altLang="en-US"/>
+              <a:t>발표 주제 바닥글 수정</a:t>
+            </a:r>
+            <a:r>
+              <a:rPr lang="en-US" altLang="ko-KR"/>
+              <a:t>}</a:t>
+            </a:r>
+            <a:endParaRPr lang="en-US"/>
+          </a:p>
+        </p:txBody>
+      </p:sp>
+      <p:sp>
+        <p:nvSpPr>
+          <p:cNvPr id="6" name="슬라이드 번호 개체 틀 5"/>
+          <p:cNvSpPr>
+            <a:spLocks noGrp="1"/>
+          </p:cNvSpPr>
+          <p:nvPr>
+            <p:ph type="sldNum" sz="quarter" idx="12"/>
+          </p:nvPr>
+        </p:nvSpPr>
+        <p:spPr/>
+        <p:txBody>
+          <a:bodyPr/>
+          <a:lstStyle/>
+          <a:p>
+            <a:fld id="{AA0EB1BB-D2B3-481B-A5E1-F093F8D3CD29}" type="slidenum">
+              <a:rPr lang="en-US" smtClean="0"/>
+              <a:t>7</a:t>
+            </a:fld>
+            <a:endParaRPr lang="en-US"/>
+          </a:p>
+        </p:txBody>
+      </p:sp>
+    </p:spTree>
+    <p:extLst>
+      <p:ext uri="{BB962C8B-B14F-4D97-AF65-F5344CB8AC3E}">
+        <p14:creationId xmlns:p14="http://schemas.microsoft.com/office/powerpoint/2010/main" val="993003367"/>
+      </p:ext>
+    </p:extLst>
+  </p:cSld>
+  <p:clrMapOvr>
+    <a:masterClrMapping/>
+  </p:clrMapOvr>
+</p:sld>
+</file>
+
+<file path=ppt/slides/slide8.xml><?xml version="1.0" encoding="utf-8"?>
+<p:sld xmlns:a="http://schemas.openxmlformats.org/drawingml/2006/main" xmlns:r="http://schemas.openxmlformats.org/officeDocument/2006/relationships" xmlns:p="http://schemas.openxmlformats.org/presentationml/2006/main">
+  <p:cSld>
+    <p:spTree>
+      <p:nvGrpSpPr>
+        <p:cNvPr id="1" name=""/>
+        <p:cNvGrpSpPr/>
+        <p:nvPr/>
+      </p:nvGrpSpPr>
+      <p:grpSpPr>
+        <a:xfrm>
+          <a:off x="0" y="0"/>
+          <a:ext cx="0" cy="0"/>
+          <a:chOff x="0" y="0"/>
+          <a:chExt cx="0" cy="0"/>
+        </a:xfrm>
+      </p:grpSpPr>
+      <p:sp>
+        <p:nvSpPr>
+          <p:cNvPr id="2" name="제목 1"/>
+          <p:cNvSpPr>
+            <a:spLocks noGrp="1"/>
+          </p:cNvSpPr>
+          <p:nvPr>
+            <p:ph type="title"/>
+          </p:nvPr>
+        </p:nvSpPr>
         <p:spPr>
           <a:xfrm>
             <a:off x="681038" y="2343397"/>
@@ -14904,7 +14967,7 @@
           <a:p>
             <a:fld id="{AA0EB1BB-D2B3-481B-A5E1-F093F8D3CD29}" type="slidenum">
               <a:rPr lang="en-US" smtClean="0"/>
-              <a:t>7</a:t>
+              <a:t>8</a:t>
             </a:fld>
             <a:endParaRPr lang="en-US"/>
           </a:p>
@@ -14927,7 +14990,7 @@
           <a:p>
             <a:fld id="{22C715FD-191D-4438-8D52-621D8B0E0666}" type="datetime1">
               <a:rPr lang="ko-KR" altLang="en-US" smtClean="0"/>
-              <a:t>2019-07-17</a:t>
+              <a:t>2019-07-18</a:t>
             </a:fld>
             <a:endParaRPr lang="en-US"/>
           </a:p>
